--- a/.prod/Spielidee Sekretariat.pptx
+++ b/.prod/Spielidee Sekretariat.pptx
@@ -6,12 +6,12 @@
   </p:sldMasterIdLst>
   <p:sldIdLst>
     <p:sldId id="256" r:id="rId2"/>
-    <p:sldId id="257" r:id="rId3"/>
+    <p:sldId id="264" r:id="rId3"/>
     <p:sldId id="258" r:id="rId4"/>
-    <p:sldId id="262" r:id="rId5"/>
-    <p:sldId id="261" r:id="rId6"/>
-    <p:sldId id="263" r:id="rId7"/>
-    <p:sldId id="260" r:id="rId8"/>
+    <p:sldId id="257" r:id="rId5"/>
+    <p:sldId id="262" r:id="rId6"/>
+    <p:sldId id="261" r:id="rId7"/>
+    <p:sldId id="263" r:id="rId8"/>
   </p:sldIdLst>
   <p:sldSz cx="12192000" cy="6858000"/>
   <p:notesSz cx="6858000" cy="9144000"/>
@@ -116,6 +116,88 @@
     </p:ext>
   </p:extLst>
 </p:presentation>
+</file>
+
+<file path=ppt/revisionInfo.xml><?xml version="1.0" encoding="utf-8"?>
+<p1510:revInfo xmlns:a="http://schemas.openxmlformats.org/drawingml/2006/main" xmlns:r="http://schemas.openxmlformats.org/officeDocument/2006/relationships" xmlns:p1510="http://schemas.microsoft.com/office/powerpoint/2015/10/main">
+  <p1510:revLst>
+    <p1510:client id="{23D34437-2CCC-461B-889B-124AC23D6454}" v="3" dt="2020-10-05T14:04:39.221"/>
+  </p1510:revLst>
+</p1510:revInfo>
+</file>
+
+<file path=ppt/changesInfos/changesInfo1.xml><?xml version="1.0" encoding="utf-8"?>
+<pc:chgInfo xmlns:a="http://schemas.openxmlformats.org/drawingml/2006/main" xmlns:r="http://schemas.openxmlformats.org/officeDocument/2006/relationships" xmlns:ac="http://schemas.microsoft.com/office/drawing/2013/main/command" xmlns:pc="http://schemas.microsoft.com/office/powerpoint/2013/main/command">
+  <pc:docChgLst>
+    <pc:chgData name="Schmidt, Laura" userId="dd51255f-a2f1-4959-bcc4-92a212509d30" providerId="ADAL" clId="{23D34437-2CCC-461B-889B-124AC23D6454}"/>
+    <pc:docChg chg="addSld delSld modSld sldOrd">
+      <pc:chgData name="Schmidt, Laura" userId="dd51255f-a2f1-4959-bcc4-92a212509d30" providerId="ADAL" clId="{23D34437-2CCC-461B-889B-124AC23D6454}" dt="2020-10-05T14:05:27.651" v="144" actId="20577"/>
+      <pc:docMkLst>
+        <pc:docMk/>
+      </pc:docMkLst>
+      <pc:sldChg chg="modSp">
+        <pc:chgData name="Schmidt, Laura" userId="dd51255f-a2f1-4959-bcc4-92a212509d30" providerId="ADAL" clId="{23D34437-2CCC-461B-889B-124AC23D6454}" dt="2020-10-05T13:06:04.689" v="4" actId="207"/>
+        <pc:sldMkLst>
+          <pc:docMk/>
+          <pc:sldMk cId="98689433" sldId="256"/>
+        </pc:sldMkLst>
+        <pc:spChg chg="mod">
+          <ac:chgData name="Schmidt, Laura" userId="dd51255f-a2f1-4959-bcc4-92a212509d30" providerId="ADAL" clId="{23D34437-2CCC-461B-889B-124AC23D6454}" dt="2020-10-05T13:06:04.689" v="4" actId="207"/>
+          <ac:spMkLst>
+            <pc:docMk/>
+            <pc:sldMk cId="98689433" sldId="256"/>
+            <ac:spMk id="2" creationId="{ED0FF2F2-ACCA-4C92-ACFC-049B634BBD1A}"/>
+          </ac:spMkLst>
+        </pc:spChg>
+      </pc:sldChg>
+      <pc:sldChg chg="modSp ord">
+        <pc:chgData name="Schmidt, Laura" userId="dd51255f-a2f1-4959-bcc4-92a212509d30" providerId="ADAL" clId="{23D34437-2CCC-461B-889B-124AC23D6454}" dt="2020-10-05T13:17:07.961" v="5"/>
+        <pc:sldMkLst>
+          <pc:docMk/>
+          <pc:sldMk cId="2388358283" sldId="257"/>
+        </pc:sldMkLst>
+        <pc:spChg chg="mod">
+          <ac:chgData name="Schmidt, Laura" userId="dd51255f-a2f1-4959-bcc4-92a212509d30" providerId="ADAL" clId="{23D34437-2CCC-461B-889B-124AC23D6454}" dt="2020-10-05T13:04:07.896" v="2" actId="20577"/>
+          <ac:spMkLst>
+            <pc:docMk/>
+            <pc:sldMk cId="2388358283" sldId="257"/>
+            <ac:spMk id="3" creationId="{5D275305-DD73-494E-A1C0-45A66F68ACD9}"/>
+          </ac:spMkLst>
+        </pc:spChg>
+      </pc:sldChg>
+      <pc:sldChg chg="del">
+        <pc:chgData name="Schmidt, Laura" userId="dd51255f-a2f1-4959-bcc4-92a212509d30" providerId="ADAL" clId="{23D34437-2CCC-461B-889B-124AC23D6454}" dt="2020-10-05T13:05:32.147" v="3" actId="2696"/>
+        <pc:sldMkLst>
+          <pc:docMk/>
+          <pc:sldMk cId="3921250271" sldId="260"/>
+        </pc:sldMkLst>
+      </pc:sldChg>
+      <pc:sldChg chg="modSp add">
+        <pc:chgData name="Schmidt, Laura" userId="dd51255f-a2f1-4959-bcc4-92a212509d30" providerId="ADAL" clId="{23D34437-2CCC-461B-889B-124AC23D6454}" dt="2020-10-05T14:05:27.651" v="144" actId="20577"/>
+        <pc:sldMkLst>
+          <pc:docMk/>
+          <pc:sldMk cId="2630265167" sldId="264"/>
+        </pc:sldMkLst>
+        <pc:spChg chg="mod">
+          <ac:chgData name="Schmidt, Laura" userId="dd51255f-a2f1-4959-bcc4-92a212509d30" providerId="ADAL" clId="{23D34437-2CCC-461B-889B-124AC23D6454}" dt="2020-10-05T14:04:45.581" v="18" actId="20577"/>
+          <ac:spMkLst>
+            <pc:docMk/>
+            <pc:sldMk cId="2630265167" sldId="264"/>
+            <ac:spMk id="2" creationId="{7F64B715-A607-4C05-967A-B4FD62D45A99}"/>
+          </ac:spMkLst>
+        </pc:spChg>
+        <pc:spChg chg="mod">
+          <ac:chgData name="Schmidt, Laura" userId="dd51255f-a2f1-4959-bcc4-92a212509d30" providerId="ADAL" clId="{23D34437-2CCC-461B-889B-124AC23D6454}" dt="2020-10-05T14:05:27.651" v="144" actId="20577"/>
+          <ac:spMkLst>
+            <pc:docMk/>
+            <pc:sldMk cId="2630265167" sldId="264"/>
+            <ac:spMk id="3" creationId="{AD5026E5-F596-46EE-A7D3-23501DBA5BC7}"/>
+          </ac:spMkLst>
+        </pc:spChg>
+      </pc:sldChg>
+    </pc:docChg>
+  </pc:docChgLst>
+</pc:chgInfo>
 </file>
 
 <file path=ppt/diagrams/colors1.xml><?xml version="1.0" encoding="utf-8"?>
@@ -3503,7 +3585,7 @@
           <a:effectLst/>
           <a:extLst>
             <a:ext uri="{91240B29-F687-4f45-9708-019B960494DF}">
-              <a14:hiddenLine xmlns:a14="http://schemas.microsoft.com/office/drawing/2010/main" xmlns="" w="9525">
+              <a14:hiddenLine xmlns="" xmlns:a14="http://schemas.microsoft.com/office/drawing/2010/main" w="9525">
                 <a:solidFill>
                   <a:srgbClr val="000000"/>
                 </a:solidFill>
@@ -5025,7 +5107,7 @@
           <a:ln/>
           <a:extLst>
             <a:ext uri="{91240B29-F687-4f45-9708-019B960494DF}">
-              <a14:hiddenLine xmlns:a14="http://schemas.microsoft.com/office/drawing/2010/main" xmlns="" w="9525">
+              <a14:hiddenLine xmlns="" xmlns:a14="http://schemas.microsoft.com/office/drawing/2010/main" w="9525">
                 <a:solidFill>
                   <a:srgbClr val="000000"/>
                 </a:solidFill>
@@ -5300,7 +5382,7 @@
           <a:ln/>
           <a:extLst>
             <a:ext uri="{91240B29-F687-4f45-9708-019B960494DF}">
-              <a14:hiddenLine xmlns:a14="http://schemas.microsoft.com/office/drawing/2010/main" xmlns="" w="9525">
+              <a14:hiddenLine xmlns="" xmlns:a14="http://schemas.microsoft.com/office/drawing/2010/main" w="9525">
                 <a:solidFill>
                   <a:srgbClr val="000000"/>
                 </a:solidFill>
@@ -5583,7 +5665,7 @@
           <a:ln/>
           <a:extLst>
             <a:ext uri="{91240B29-F687-4f45-9708-019B960494DF}">
-              <a14:hiddenLine xmlns:a14="http://schemas.microsoft.com/office/drawing/2010/main" xmlns="" w="9525">
+              <a14:hiddenLine xmlns="" xmlns:a14="http://schemas.microsoft.com/office/drawing/2010/main" w="9525">
                 <a:solidFill>
                   <a:srgbClr val="000000"/>
                 </a:solidFill>
@@ -6209,7 +6291,7 @@
           <a:ln/>
           <a:extLst>
             <a:ext uri="{91240B29-F687-4f45-9708-019B960494DF}">
-              <a14:hiddenLine xmlns:a14="http://schemas.microsoft.com/office/drawing/2010/main" xmlns="" w="9525">
+              <a14:hiddenLine xmlns="" xmlns:a14="http://schemas.microsoft.com/office/drawing/2010/main" w="9525">
                 <a:solidFill>
                   <a:srgbClr val="000000"/>
                 </a:solidFill>
@@ -6548,7 +6630,7 @@
           <a:ln/>
           <a:extLst>
             <a:ext uri="{91240B29-F687-4f45-9708-019B960494DF}">
-              <a14:hiddenLine xmlns:a14="http://schemas.microsoft.com/office/drawing/2010/main" xmlns="" w="9525">
+              <a14:hiddenLine xmlns="" xmlns:a14="http://schemas.microsoft.com/office/drawing/2010/main" w="9525">
                 <a:solidFill>
                   <a:srgbClr val="000000"/>
                 </a:solidFill>
@@ -7025,7 +7107,7 @@
           <a:ln/>
           <a:extLst>
             <a:ext uri="{91240B29-F687-4f45-9708-019B960494DF}">
-              <a14:hiddenLine xmlns:a14="http://schemas.microsoft.com/office/drawing/2010/main" xmlns="" w="9525">
+              <a14:hiddenLine xmlns="" xmlns:a14="http://schemas.microsoft.com/office/drawing/2010/main" w="9525">
                 <a:solidFill>
                   <a:srgbClr val="000000"/>
                 </a:solidFill>
@@ -7454,7 +7536,7 @@
           <a:ln/>
           <a:extLst>
             <a:ext uri="{91240B29-F687-4f45-9708-019B960494DF}">
-              <a14:hiddenLine xmlns:a14="http://schemas.microsoft.com/office/drawing/2010/main" xmlns="" w="9525">
+              <a14:hiddenLine xmlns="" xmlns:a14="http://schemas.microsoft.com/office/drawing/2010/main" w="9525">
                 <a:solidFill>
                   <a:srgbClr val="000000"/>
                 </a:solidFill>
@@ -8725,7 +8807,7 @@
             <a:r>
               <a:rPr lang="de-DE" sz="3600" dirty="0">
                 <a:solidFill>
-                  <a:srgbClr val="080808"/>
+                  <a:schemeClr val="tx1"/>
                 </a:solidFill>
               </a:rPr>
               <a:t>Spielidee Sekretariat</a:t>
@@ -8824,7 +8906,7 @@
           <p:cNvPr id="2" name="Titel 1">
             <a:extLst>
               <a:ext uri="{FF2B5EF4-FFF2-40B4-BE49-F238E27FC236}">
-                <a16:creationId xmlns:a16="http://schemas.microsoft.com/office/drawing/2014/main" id="{B3DD9B48-DA09-4C03-9276-42373D5D57D0}"/>
+                <a16:creationId xmlns:a16="http://schemas.microsoft.com/office/drawing/2014/main" id="{7F64B715-A607-4C05-967A-B4FD62D45A99}"/>
               </a:ext>
             </a:extLst>
           </p:cNvPr>
@@ -8842,7 +8924,7 @@
           <a:p>
             <a:r>
               <a:rPr lang="de-DE" dirty="0"/>
-              <a:t>Überblick</a:t>
+              <a:t>Zielgruppe</a:t>
             </a:r>
           </a:p>
         </p:txBody>
@@ -8852,7 +8934,7 @@
           <p:cNvPr id="3" name="Inhaltsplatzhalter 2">
             <a:extLst>
               <a:ext uri="{FF2B5EF4-FFF2-40B4-BE49-F238E27FC236}">
-                <a16:creationId xmlns:a16="http://schemas.microsoft.com/office/drawing/2014/main" id="{5D275305-DD73-494E-A1C0-45A66F68ACD9}"/>
+                <a16:creationId xmlns:a16="http://schemas.microsoft.com/office/drawing/2014/main" id="{AD5026E5-F596-46EE-A7D3-23501DBA5BC7}"/>
               </a:ext>
             </a:extLst>
           </p:cNvPr>
@@ -8870,31 +8952,13 @@
           <a:p>
             <a:r>
               <a:rPr lang="de-DE" dirty="0"/>
-              <a:t>Standort DHBW</a:t>
+              <a:t>Studenten der DHBW</a:t>
             </a:r>
           </a:p>
           <a:p>
             <a:r>
               <a:rPr lang="de-DE" dirty="0"/>
-              <a:t>Chaotische Organisation die zu verbessern gilt</a:t>
-            </a:r>
-          </a:p>
-          <a:p>
-            <a:r>
-              <a:rPr lang="de-DE" dirty="0"/>
-              <a:t>Humorvolle Aufgabenlisten zum abarbeiten</a:t>
-            </a:r>
-          </a:p>
-          <a:p>
-            <a:r>
-              <a:rPr lang="de-DE" dirty="0"/>
-              <a:t>Zeitlimit in dem man Punkte sammeln muss</a:t>
-            </a:r>
-          </a:p>
-          <a:p>
-            <a:r>
-              <a:rPr lang="de-DE" dirty="0"/>
-              <a:t>„Bonus - Events“</a:t>
+              <a:t>Studenten, die Frust gegen das Sekretariat/die Organisation aufgebaut haben</a:t>
             </a:r>
           </a:p>
         </p:txBody>
@@ -8902,7 +8966,7 @@
     </p:spTree>
     <p:extLst>
       <p:ext uri="{BB962C8B-B14F-4D97-AF65-F5344CB8AC3E}">
-        <p14:creationId xmlns:p14="http://schemas.microsoft.com/office/powerpoint/2010/main" val="2388358283"/>
+        <p14:creationId xmlns:p14="http://schemas.microsoft.com/office/powerpoint/2010/main" val="2630265167"/>
       </p:ext>
     </p:extLst>
   </p:cSld>
@@ -9011,6 +9075,116 @@
 </file>
 
 <file path=ppt/slides/slide4.xml><?xml version="1.0" encoding="utf-8"?>
+<p:sld xmlns:a="http://schemas.openxmlformats.org/drawingml/2006/main" xmlns:r="http://schemas.openxmlformats.org/officeDocument/2006/relationships" xmlns:p="http://schemas.openxmlformats.org/presentationml/2006/main">
+  <p:cSld>
+    <p:spTree>
+      <p:nvGrpSpPr>
+        <p:cNvPr id="1" name=""/>
+        <p:cNvGrpSpPr/>
+        <p:nvPr/>
+      </p:nvGrpSpPr>
+      <p:grpSpPr>
+        <a:xfrm>
+          <a:off x="0" y="0"/>
+          <a:ext cx="0" cy="0"/>
+          <a:chOff x="0" y="0"/>
+          <a:chExt cx="0" cy="0"/>
+        </a:xfrm>
+      </p:grpSpPr>
+      <p:sp>
+        <p:nvSpPr>
+          <p:cNvPr id="2" name="Titel 1">
+            <a:extLst>
+              <a:ext uri="{FF2B5EF4-FFF2-40B4-BE49-F238E27FC236}">
+                <a16:creationId xmlns:a16="http://schemas.microsoft.com/office/drawing/2014/main" id="{B3DD9B48-DA09-4C03-9276-42373D5D57D0}"/>
+              </a:ext>
+            </a:extLst>
+          </p:cNvPr>
+          <p:cNvSpPr>
+            <a:spLocks noGrp="1"/>
+          </p:cNvSpPr>
+          <p:nvPr>
+            <p:ph type="title"/>
+          </p:nvPr>
+        </p:nvSpPr>
+        <p:spPr/>
+        <p:txBody>
+          <a:bodyPr/>
+          <a:lstStyle/>
+          <a:p>
+            <a:r>
+              <a:rPr lang="de-DE" dirty="0"/>
+              <a:t>Überblick</a:t>
+            </a:r>
+          </a:p>
+        </p:txBody>
+      </p:sp>
+      <p:sp>
+        <p:nvSpPr>
+          <p:cNvPr id="3" name="Inhaltsplatzhalter 2">
+            <a:extLst>
+              <a:ext uri="{FF2B5EF4-FFF2-40B4-BE49-F238E27FC236}">
+                <a16:creationId xmlns:a16="http://schemas.microsoft.com/office/drawing/2014/main" id="{5D275305-DD73-494E-A1C0-45A66F68ACD9}"/>
+              </a:ext>
+            </a:extLst>
+          </p:cNvPr>
+          <p:cNvSpPr>
+            <a:spLocks noGrp="1"/>
+          </p:cNvSpPr>
+          <p:nvPr>
+            <p:ph idx="1"/>
+          </p:nvPr>
+        </p:nvSpPr>
+        <p:spPr/>
+        <p:txBody>
+          <a:bodyPr/>
+          <a:lstStyle/>
+          <a:p>
+            <a:r>
+              <a:rPr lang="de-DE" dirty="0"/>
+              <a:t>Standort DHBW</a:t>
+            </a:r>
+          </a:p>
+          <a:p>
+            <a:r>
+              <a:rPr lang="de-DE" dirty="0"/>
+              <a:t>Chaotische Organisation die zu verbessern gilt</a:t>
+            </a:r>
+          </a:p>
+          <a:p>
+            <a:r>
+              <a:rPr lang="de-DE" dirty="0"/>
+              <a:t>Humorvolle Aufgabenlisten zum Abarbeiten</a:t>
+            </a:r>
+          </a:p>
+          <a:p>
+            <a:r>
+              <a:rPr lang="de-DE" dirty="0"/>
+              <a:t>Zeitlimit, in dem man Punkte sammeln muss</a:t>
+            </a:r>
+          </a:p>
+          <a:p>
+            <a:r>
+              <a:rPr lang="de-DE" dirty="0"/>
+              <a:t>„Bonus - Events“</a:t>
+            </a:r>
+          </a:p>
+        </p:txBody>
+      </p:sp>
+    </p:spTree>
+    <p:extLst>
+      <p:ext uri="{BB962C8B-B14F-4D97-AF65-F5344CB8AC3E}">
+        <p14:creationId xmlns:p14="http://schemas.microsoft.com/office/powerpoint/2010/main" val="2388358283"/>
+      </p:ext>
+    </p:extLst>
+  </p:cSld>
+  <p:clrMapOvr>
+    <a:masterClrMapping/>
+  </p:clrMapOvr>
+</p:sld>
+</file>
+
+<file path=ppt/slides/slide5.xml><?xml version="1.0" encoding="utf-8"?>
 <p:sld xmlns:a="http://schemas.openxmlformats.org/drawingml/2006/main" xmlns:r="http://schemas.openxmlformats.org/officeDocument/2006/relationships" xmlns:p="http://schemas.openxmlformats.org/presentationml/2006/main">
   <p:cSld>
     <p:spTree>
@@ -9096,201 +9270,6 @@
 </p:sld>
 </file>
 
-<file path=ppt/slides/slide5.xml><?xml version="1.0" encoding="utf-8"?>
-<p:sld xmlns:a="http://schemas.openxmlformats.org/drawingml/2006/main" xmlns:r="http://schemas.openxmlformats.org/officeDocument/2006/relationships" xmlns:p="http://schemas.openxmlformats.org/presentationml/2006/main">
-  <p:cSld>
-    <p:spTree>
-      <p:nvGrpSpPr>
-        <p:cNvPr id="1" name=""/>
-        <p:cNvGrpSpPr/>
-        <p:nvPr/>
-      </p:nvGrpSpPr>
-      <p:grpSpPr>
-        <a:xfrm>
-          <a:off x="0" y="0"/>
-          <a:ext cx="0" cy="0"/>
-          <a:chOff x="0" y="0"/>
-          <a:chExt cx="0" cy="0"/>
-        </a:xfrm>
-      </p:grpSpPr>
-      <p:sp>
-        <p:nvSpPr>
-          <p:cNvPr id="2" name="Titel 1">
-            <a:extLst>
-              <a:ext uri="{FF2B5EF4-FFF2-40B4-BE49-F238E27FC236}">
-                <a16:creationId xmlns:a16="http://schemas.microsoft.com/office/drawing/2014/main" id="{0E1FB7EB-52A0-481B-9BD0-A742F2A5D402}"/>
-              </a:ext>
-            </a:extLst>
-          </p:cNvPr>
-          <p:cNvSpPr>
-            <a:spLocks noGrp="1"/>
-          </p:cNvSpPr>
-          <p:nvPr>
-            <p:ph type="title"/>
-          </p:nvPr>
-        </p:nvSpPr>
-        <p:spPr/>
-        <p:txBody>
-          <a:bodyPr/>
-          <a:lstStyle/>
-          <a:p>
-            <a:r>
-              <a:rPr lang="de-DE" dirty="0"/>
-              <a:t>Beispielaufgaben</a:t>
-            </a:r>
-          </a:p>
-        </p:txBody>
-      </p:sp>
-      <p:sp>
-        <p:nvSpPr>
-          <p:cNvPr id="4" name="Inhaltsplatzhalter 3">
-            <a:extLst>
-              <a:ext uri="{FF2B5EF4-FFF2-40B4-BE49-F238E27FC236}">
-                <a16:creationId xmlns:a16="http://schemas.microsoft.com/office/drawing/2014/main" id="{3CA32264-277D-4BE7-A9A0-D05496244F9F}"/>
-              </a:ext>
-            </a:extLst>
-          </p:cNvPr>
-          <p:cNvSpPr>
-            <a:spLocks noGrp="1"/>
-          </p:cNvSpPr>
-          <p:nvPr>
-            <p:ph sz="half" idx="1"/>
-          </p:nvPr>
-        </p:nvSpPr>
-        <p:spPr/>
-        <p:txBody>
-          <a:bodyPr>
-            <a:normAutofit/>
-          </a:bodyPr>
-          <a:lstStyle/>
-          <a:p>
-            <a:r>
-              <a:rPr lang="de-DE" dirty="0"/>
-              <a:t>Post sortieren / schreddern</a:t>
-            </a:r>
-          </a:p>
-          <a:p>
-            <a:r>
-              <a:rPr lang="de-DE" dirty="0"/>
-              <a:t>Noteneintragen / vertauschen</a:t>
-            </a:r>
-          </a:p>
-          <a:p>
-            <a:r>
-              <a:rPr lang="de-DE" dirty="0"/>
-              <a:t>Studentenausweise aushändigen/aus dem Fenster werfen</a:t>
-            </a:r>
-          </a:p>
-          <a:p>
-            <a:r>
-              <a:rPr lang="de-DE" dirty="0"/>
-              <a:t>Kreide verteilen </a:t>
-            </a:r>
-          </a:p>
-          <a:p>
-            <a:r>
-              <a:rPr lang="de-DE" dirty="0"/>
-              <a:t>Uhr zurückstellen</a:t>
-            </a:r>
-          </a:p>
-          <a:p>
-            <a:r>
-              <a:rPr lang="de-DE" dirty="0"/>
-              <a:t>Studenten zuordnen / falschzuordnen</a:t>
-            </a:r>
-          </a:p>
-          <a:p>
-            <a:r>
-              <a:rPr lang="de-DE" dirty="0"/>
-              <a:t>Vorlesungsplan eintragen / vergessen</a:t>
-            </a:r>
-          </a:p>
-        </p:txBody>
-      </p:sp>
-      <p:sp>
-        <p:nvSpPr>
-          <p:cNvPr id="5" name="Inhaltsplatzhalter 4">
-            <a:extLst>
-              <a:ext uri="{FF2B5EF4-FFF2-40B4-BE49-F238E27FC236}">
-                <a16:creationId xmlns:a16="http://schemas.microsoft.com/office/drawing/2014/main" id="{B15F18B5-01CE-4CBA-83FD-023B91A7F430}"/>
-              </a:ext>
-            </a:extLst>
-          </p:cNvPr>
-          <p:cNvSpPr>
-            <a:spLocks noGrp="1"/>
-          </p:cNvSpPr>
-          <p:nvPr>
-            <p:ph sz="half" idx="2"/>
-          </p:nvPr>
-        </p:nvSpPr>
-        <p:spPr>
-          <a:xfrm>
-            <a:off x="6187415" y="2222287"/>
-            <a:ext cx="5194583" cy="3638764"/>
-          </a:xfrm>
-        </p:spPr>
-        <p:txBody>
-          <a:bodyPr>
-            <a:normAutofit/>
-          </a:bodyPr>
-          <a:lstStyle/>
-          <a:p>
-            <a:r>
-              <a:rPr lang="de-DE" dirty="0"/>
-              <a:t>Kaffee auf Klausuren verschütten</a:t>
-            </a:r>
-          </a:p>
-          <a:p>
-            <a:r>
-              <a:rPr lang="de-DE" dirty="0"/>
-              <a:t>früher Schluss machen</a:t>
-            </a:r>
-          </a:p>
-          <a:p>
-            <a:r>
-              <a:rPr lang="de-DE" dirty="0"/>
-              <a:t>Projekt Arbeiten stapeln / schreddern</a:t>
-            </a:r>
-          </a:p>
-          <a:p>
-            <a:r>
-              <a:rPr lang="de-DE" dirty="0"/>
-              <a:t>Telefonat entgegennehmen / ablehnen</a:t>
-            </a:r>
-          </a:p>
-          <a:p>
-            <a:r>
-              <a:rPr lang="de-DE" dirty="0"/>
-              <a:t>Internet löschen</a:t>
-            </a:r>
-          </a:p>
-          <a:p>
-            <a:r>
-              <a:rPr lang="de-DE" dirty="0"/>
-              <a:t>Türen aufschließen / Schlüssel vergessen</a:t>
-            </a:r>
-          </a:p>
-          <a:p>
-            <a:r>
-              <a:rPr lang="de-DE" dirty="0"/>
-              <a:t>ungelesene Mails Löschen</a:t>
-            </a:r>
-          </a:p>
-        </p:txBody>
-      </p:sp>
-    </p:spTree>
-    <p:extLst>
-      <p:ext uri="{BB962C8B-B14F-4D97-AF65-F5344CB8AC3E}">
-        <p14:creationId xmlns:p14="http://schemas.microsoft.com/office/powerpoint/2010/main" val="1739621740"/>
-      </p:ext>
-    </p:extLst>
-  </p:cSld>
-  <p:clrMapOvr>
-    <a:masterClrMapping/>
-  </p:clrMapOvr>
-</p:sld>
-</file>
-
 <file path=ppt/slides/slide6.xml><?xml version="1.0" encoding="utf-8"?>
 <p:sld xmlns:a="http://schemas.openxmlformats.org/drawingml/2006/main" xmlns:r="http://schemas.openxmlformats.org/officeDocument/2006/relationships" xmlns:p="http://schemas.openxmlformats.org/presentationml/2006/main">
   <p:cSld>
@@ -9313,7 +9292,7 @@
           <p:cNvPr id="2" name="Titel 1">
             <a:extLst>
               <a:ext uri="{FF2B5EF4-FFF2-40B4-BE49-F238E27FC236}">
-                <a16:creationId xmlns:a16="http://schemas.microsoft.com/office/drawing/2014/main" id="{4A959EFA-CA93-4377-8595-87E5E43D4420}"/>
+                <a16:creationId xmlns:a16="http://schemas.microsoft.com/office/drawing/2014/main" id="{0E1FB7EB-52A0-481B-9BD0-A742F2A5D402}"/>
               </a:ext>
             </a:extLst>
           </p:cNvPr>
@@ -9331,17 +9310,17 @@
           <a:p>
             <a:r>
               <a:rPr lang="de-DE" dirty="0"/>
-              <a:t>Danke für die Aufmerksamkeit!</a:t>
+              <a:t>Beispielaufgaben</a:t>
             </a:r>
           </a:p>
         </p:txBody>
       </p:sp>
       <p:sp>
         <p:nvSpPr>
-          <p:cNvPr id="3" name="Textplatzhalter 2">
+          <p:cNvPr id="4" name="Inhaltsplatzhalter 3">
             <a:extLst>
               <a:ext uri="{FF2B5EF4-FFF2-40B4-BE49-F238E27FC236}">
-                <a16:creationId xmlns:a16="http://schemas.microsoft.com/office/drawing/2014/main" id="{54DB72DD-339F-4DCD-A7DD-4BCD883DF91B}"/>
+                <a16:creationId xmlns:a16="http://schemas.microsoft.com/office/drawing/2014/main" id="{3CA32264-277D-4BE7-A9A0-D05496244F9F}"/>
               </a:ext>
             </a:extLst>
           </p:cNvPr>
@@ -9349,17 +9328,126 @@
             <a:spLocks noGrp="1"/>
           </p:cNvSpPr>
           <p:nvPr>
-            <p:ph type="body" idx="1"/>
+            <p:ph sz="half" idx="1"/>
           </p:nvPr>
         </p:nvSpPr>
         <p:spPr/>
         <p:txBody>
-          <a:bodyPr/>
+          <a:bodyPr>
+            <a:normAutofit/>
+          </a:bodyPr>
           <a:lstStyle/>
           <a:p>
             <a:r>
               <a:rPr lang="de-DE" dirty="0"/>
-              <a:t>Noch Fragen?</a:t>
+              <a:t>Post sortieren / schreddern</a:t>
+            </a:r>
+          </a:p>
+          <a:p>
+            <a:r>
+              <a:rPr lang="de-DE" dirty="0"/>
+              <a:t>Noteneintragen / vertauschen</a:t>
+            </a:r>
+          </a:p>
+          <a:p>
+            <a:r>
+              <a:rPr lang="de-DE" dirty="0"/>
+              <a:t>Studentenausweise aushändigen/aus dem Fenster werfen</a:t>
+            </a:r>
+          </a:p>
+          <a:p>
+            <a:r>
+              <a:rPr lang="de-DE" dirty="0"/>
+              <a:t>Kreide verteilen </a:t>
+            </a:r>
+          </a:p>
+          <a:p>
+            <a:r>
+              <a:rPr lang="de-DE" dirty="0"/>
+              <a:t>Uhr zurückstellen</a:t>
+            </a:r>
+          </a:p>
+          <a:p>
+            <a:r>
+              <a:rPr lang="de-DE" dirty="0"/>
+              <a:t>Studenten zuordnen / falschzuordnen</a:t>
+            </a:r>
+          </a:p>
+          <a:p>
+            <a:r>
+              <a:rPr lang="de-DE" dirty="0"/>
+              <a:t>Vorlesungsplan eintragen / vergessen</a:t>
+            </a:r>
+          </a:p>
+        </p:txBody>
+      </p:sp>
+      <p:sp>
+        <p:nvSpPr>
+          <p:cNvPr id="5" name="Inhaltsplatzhalter 4">
+            <a:extLst>
+              <a:ext uri="{FF2B5EF4-FFF2-40B4-BE49-F238E27FC236}">
+                <a16:creationId xmlns:a16="http://schemas.microsoft.com/office/drawing/2014/main" id="{B15F18B5-01CE-4CBA-83FD-023B91A7F430}"/>
+              </a:ext>
+            </a:extLst>
+          </p:cNvPr>
+          <p:cNvSpPr>
+            <a:spLocks noGrp="1"/>
+          </p:cNvSpPr>
+          <p:nvPr>
+            <p:ph sz="half" idx="2"/>
+          </p:nvPr>
+        </p:nvSpPr>
+        <p:spPr>
+          <a:xfrm>
+            <a:off x="6187415" y="2222287"/>
+            <a:ext cx="5194583" cy="3638764"/>
+          </a:xfrm>
+        </p:spPr>
+        <p:txBody>
+          <a:bodyPr>
+            <a:normAutofit/>
+          </a:bodyPr>
+          <a:lstStyle/>
+          <a:p>
+            <a:r>
+              <a:rPr lang="de-DE" dirty="0"/>
+              <a:t>Kaffee auf Klausuren verschütten</a:t>
+            </a:r>
+          </a:p>
+          <a:p>
+            <a:r>
+              <a:rPr lang="de-DE" dirty="0"/>
+              <a:t>früher Schluss machen</a:t>
+            </a:r>
+          </a:p>
+          <a:p>
+            <a:r>
+              <a:rPr lang="de-DE" dirty="0"/>
+              <a:t>Projekt Arbeiten stapeln / schreddern</a:t>
+            </a:r>
+          </a:p>
+          <a:p>
+            <a:r>
+              <a:rPr lang="de-DE" dirty="0"/>
+              <a:t>Telefonat entgegennehmen / ablehnen</a:t>
+            </a:r>
+          </a:p>
+          <a:p>
+            <a:r>
+              <a:rPr lang="de-DE" dirty="0"/>
+              <a:t>Internet löschen</a:t>
+            </a:r>
+          </a:p>
+          <a:p>
+            <a:r>
+              <a:rPr lang="de-DE" dirty="0"/>
+              <a:t>Türen aufschließen / Schlüssel vergessen</a:t>
+            </a:r>
+          </a:p>
+          <a:p>
+            <a:r>
+              <a:rPr lang="de-DE" dirty="0"/>
+              <a:t>ungelesene Mails Löschen</a:t>
             </a:r>
           </a:p>
         </p:txBody>
@@ -9367,7 +9455,7 @@
     </p:spTree>
     <p:extLst>
       <p:ext uri="{BB962C8B-B14F-4D97-AF65-F5344CB8AC3E}">
-        <p14:creationId xmlns:p14="http://schemas.microsoft.com/office/powerpoint/2010/main" val="529574204"/>
+        <p14:creationId xmlns:p14="http://schemas.microsoft.com/office/powerpoint/2010/main" val="1739621740"/>
       </p:ext>
     </p:extLst>
   </p:cSld>
@@ -9399,7 +9487,7 @@
           <p:cNvPr id="2" name="Titel 1">
             <a:extLst>
               <a:ext uri="{FF2B5EF4-FFF2-40B4-BE49-F238E27FC236}">
-                <a16:creationId xmlns:a16="http://schemas.microsoft.com/office/drawing/2014/main" id="{8B659204-08E6-449C-94A9-8E104AE1E651}"/>
+                <a16:creationId xmlns:a16="http://schemas.microsoft.com/office/drawing/2014/main" id="{4A959EFA-CA93-4377-8595-87E5E43D4420}"/>
               </a:ext>
             </a:extLst>
           </p:cNvPr>
@@ -9417,17 +9505,17 @@
           <a:p>
             <a:r>
               <a:rPr lang="de-DE" dirty="0"/>
-              <a:t>Der Spielablauf</a:t>
+              <a:t>Danke für die Aufmerksamkeit!</a:t>
             </a:r>
           </a:p>
         </p:txBody>
       </p:sp>
       <p:sp>
         <p:nvSpPr>
-          <p:cNvPr id="3" name="Inhaltsplatzhalter 2">
+          <p:cNvPr id="3" name="Textplatzhalter 2">
             <a:extLst>
               <a:ext uri="{FF2B5EF4-FFF2-40B4-BE49-F238E27FC236}">
-                <a16:creationId xmlns:a16="http://schemas.microsoft.com/office/drawing/2014/main" id="{7B4FDB37-9830-43DE-8FF2-1C5AD52DAC29}"/>
+                <a16:creationId xmlns:a16="http://schemas.microsoft.com/office/drawing/2014/main" id="{54DB72DD-339F-4DCD-A7DD-4BCD883DF91B}"/>
               </a:ext>
             </a:extLst>
           </p:cNvPr>
@@ -9435,79 +9523,17 @@
             <a:spLocks noGrp="1"/>
           </p:cNvSpPr>
           <p:nvPr>
-            <p:ph idx="1"/>
+            <p:ph type="body" idx="1"/>
           </p:nvPr>
         </p:nvSpPr>
         <p:spPr/>
         <p:txBody>
-          <a:bodyPr>
-            <a:normAutofit lnSpcReduction="10000"/>
-          </a:bodyPr>
+          <a:bodyPr/>
           <a:lstStyle/>
           <a:p>
             <a:r>
               <a:rPr lang="de-DE" dirty="0"/>
-              <a:t>Spieler ist neuer Sekretär / neue Sekretärin</a:t>
-            </a:r>
-          </a:p>
-          <a:p>
-            <a:r>
-              <a:rPr lang="de-DE" dirty="0"/>
-              <a:t>Er kann die Räumlichkeiten erkunden, in dem er durch die Gänge läuft</a:t>
-            </a:r>
-          </a:p>
-          <a:p>
-            <a:r>
-              <a:rPr lang="de-DE" dirty="0"/>
-              <a:t>Dabei hat er Aufgaben zu erfüllen, die Punkte geben (</a:t>
-            </a:r>
-            <a:r>
-              <a:rPr lang="de-DE" dirty="0" err="1"/>
-              <a:t>Karmasystem</a:t>
-            </a:r>
-            <a:r>
-              <a:rPr lang="de-DE" dirty="0"/>
-              <a:t>)</a:t>
-            </a:r>
-          </a:p>
-          <a:p>
-            <a:r>
-              <a:rPr lang="de-DE" dirty="0"/>
-              <a:t>Er hat nur begrenzt Zeit, bestimmte Dinge modifizieren diese Zeit</a:t>
-            </a:r>
-          </a:p>
-          <a:p>
-            <a:pPr lvl="1"/>
-            <a:r>
-              <a:rPr lang="de-DE" dirty="0"/>
-              <a:t>Studenten Treffen kostet 30 Sek.</a:t>
-            </a:r>
-          </a:p>
-          <a:p>
-            <a:pPr lvl="1"/>
-            <a:r>
-              <a:rPr lang="de-DE" dirty="0"/>
-              <a:t>Sekretär treffen bringt 30 Sek.</a:t>
-            </a:r>
-          </a:p>
-          <a:p>
-            <a:pPr lvl="1"/>
-            <a:r>
-              <a:rPr lang="de-DE" dirty="0"/>
-              <a:t>Kaffee trinken bringt 10 Sek.</a:t>
-            </a:r>
-          </a:p>
-          <a:p>
-            <a:pPr lvl="1"/>
-            <a:r>
-              <a:rPr lang="de-DE" dirty="0"/>
-              <a:t>Dozent treffen kann positiv / negativ sein</a:t>
-            </a:r>
-          </a:p>
-          <a:p>
-            <a:r>
-              <a:rPr lang="de-DE" dirty="0"/>
-              <a:t>Gelegentliche Bonus-Events (z.B. die Projektarbeiten sind in den Schredder gefallen) können viele Punkte bringen</a:t>
+              <a:t>Noch Fragen?</a:t>
             </a:r>
           </a:p>
         </p:txBody>
@@ -9515,7 +9541,7 @@
     </p:spTree>
     <p:extLst>
       <p:ext uri="{BB962C8B-B14F-4D97-AF65-F5344CB8AC3E}">
-        <p14:creationId xmlns:p14="http://schemas.microsoft.com/office/powerpoint/2010/main" val="3921250271"/>
+        <p14:creationId xmlns:p14="http://schemas.microsoft.com/office/powerpoint/2010/main" val="529574204"/>
       </p:ext>
     </p:extLst>
   </p:cSld>
